--- a/Software_Testing/Software_testing_study_notes.pptx
+++ b/Software_Testing/Software_testing_study_notes.pptx
@@ -13,6 +13,14 @@
     <p:sldId id="261" r:id="rId7"/>
     <p:sldId id="262" r:id="rId8"/>
     <p:sldId id="263" r:id="rId9"/>
+    <p:sldId id="264" r:id="rId10"/>
+    <p:sldId id="265" r:id="rId11"/>
+    <p:sldId id="266" r:id="rId12"/>
+    <p:sldId id="267" r:id="rId13"/>
+    <p:sldId id="268" r:id="rId14"/>
+    <p:sldId id="269" r:id="rId15"/>
+    <p:sldId id="270" r:id="rId16"/>
+    <p:sldId id="271" r:id="rId17"/>
   </p:sldIdLst>
   <p:sldSz cx="9144000" cy="6858000" type="screen4x3"/>
   <p:notesSz cx="6858000" cy="9144000"/>
@@ -296,7 +304,7 @@
             <a:fld id="{1D8BD707-D9CF-40AE-B4C6-C98DA3205C09}" type="datetimeFigureOut">
               <a:rPr lang="en-US" smtClean="0"/>
               <a:pPr/>
-              <a:t>4/19/2014 Saturday</a:t>
+              <a:t>4/22/2014 Tuesday</a:t>
             </a:fld>
             <a:endParaRPr lang="en-US"/>
           </a:p>
@@ -463,7 +471,7 @@
             <a:fld id="{1D8BD707-D9CF-40AE-B4C6-C98DA3205C09}" type="datetimeFigureOut">
               <a:rPr lang="en-US" smtClean="0"/>
               <a:pPr/>
-              <a:t>4/19/2014 Saturday</a:t>
+              <a:t>4/22/2014 Tuesday</a:t>
             </a:fld>
             <a:endParaRPr lang="en-US"/>
           </a:p>
@@ -640,7 +648,7 @@
             <a:fld id="{1D8BD707-D9CF-40AE-B4C6-C98DA3205C09}" type="datetimeFigureOut">
               <a:rPr lang="en-US" smtClean="0"/>
               <a:pPr/>
-              <a:t>4/19/2014 Saturday</a:t>
+              <a:t>4/22/2014 Tuesday</a:t>
             </a:fld>
             <a:endParaRPr lang="en-US"/>
           </a:p>
@@ -807,7 +815,7 @@
             <a:fld id="{1D8BD707-D9CF-40AE-B4C6-C98DA3205C09}" type="datetimeFigureOut">
               <a:rPr lang="en-US" smtClean="0"/>
               <a:pPr/>
-              <a:t>4/19/2014 Saturday</a:t>
+              <a:t>4/22/2014 Tuesday</a:t>
             </a:fld>
             <a:endParaRPr lang="en-US"/>
           </a:p>
@@ -1050,7 +1058,7 @@
             <a:fld id="{1D8BD707-D9CF-40AE-B4C6-C98DA3205C09}" type="datetimeFigureOut">
               <a:rPr lang="en-US" smtClean="0"/>
               <a:pPr/>
-              <a:t>4/19/2014 Saturday</a:t>
+              <a:t>4/22/2014 Tuesday</a:t>
             </a:fld>
             <a:endParaRPr lang="en-US"/>
           </a:p>
@@ -1335,7 +1343,7 @@
             <a:fld id="{1D8BD707-D9CF-40AE-B4C6-C98DA3205C09}" type="datetimeFigureOut">
               <a:rPr lang="en-US" smtClean="0"/>
               <a:pPr/>
-              <a:t>4/19/2014 Saturday</a:t>
+              <a:t>4/22/2014 Tuesday</a:t>
             </a:fld>
             <a:endParaRPr lang="en-US"/>
           </a:p>
@@ -1754,7 +1762,7 @@
             <a:fld id="{1D8BD707-D9CF-40AE-B4C6-C98DA3205C09}" type="datetimeFigureOut">
               <a:rPr lang="en-US" smtClean="0"/>
               <a:pPr/>
-              <a:t>4/19/2014 Saturday</a:t>
+              <a:t>4/22/2014 Tuesday</a:t>
             </a:fld>
             <a:endParaRPr lang="en-US"/>
           </a:p>
@@ -1869,7 +1877,7 @@
             <a:fld id="{1D8BD707-D9CF-40AE-B4C6-C98DA3205C09}" type="datetimeFigureOut">
               <a:rPr lang="en-US" smtClean="0"/>
               <a:pPr/>
-              <a:t>4/19/2014 Saturday</a:t>
+              <a:t>4/22/2014 Tuesday</a:t>
             </a:fld>
             <a:endParaRPr lang="en-US"/>
           </a:p>
@@ -1961,7 +1969,7 @@
             <a:fld id="{1D8BD707-D9CF-40AE-B4C6-C98DA3205C09}" type="datetimeFigureOut">
               <a:rPr lang="en-US" smtClean="0"/>
               <a:pPr/>
-              <a:t>4/19/2014 Saturday</a:t>
+              <a:t>4/22/2014 Tuesday</a:t>
             </a:fld>
             <a:endParaRPr lang="en-US"/>
           </a:p>
@@ -2235,7 +2243,7 @@
             <a:fld id="{1D8BD707-D9CF-40AE-B4C6-C98DA3205C09}" type="datetimeFigureOut">
               <a:rPr lang="en-US" smtClean="0"/>
               <a:pPr/>
-              <a:t>4/19/2014 Saturday</a:t>
+              <a:t>4/22/2014 Tuesday</a:t>
             </a:fld>
             <a:endParaRPr lang="en-US"/>
           </a:p>
@@ -2485,7 +2493,7 @@
             <a:fld id="{1D8BD707-D9CF-40AE-B4C6-C98DA3205C09}" type="datetimeFigureOut">
               <a:rPr lang="en-US" smtClean="0"/>
               <a:pPr/>
-              <a:t>4/19/2014 Saturday</a:t>
+              <a:t>4/22/2014 Tuesday</a:t>
             </a:fld>
             <a:endParaRPr lang="en-US"/>
           </a:p>
@@ -2695,7 +2703,7 @@
             <a:fld id="{1D8BD707-D9CF-40AE-B4C6-C98DA3205C09}" type="datetimeFigureOut">
               <a:rPr lang="en-US" smtClean="0"/>
               <a:pPr/>
-              <a:t>4/19/2014 Saturday</a:t>
+              <a:t>4/22/2014 Tuesday</a:t>
             </a:fld>
             <a:endParaRPr lang="en-US"/>
           </a:p>
@@ -3093,15 +3101,7 @@
             </a:pPr>
             <a:r>
               <a:rPr lang="en-US" sz="2400" dirty="0" smtClean="0"/>
-              <a:t>software </a:t>
-            </a:r>
-            <a:r>
-              <a:rPr lang="en-US" sz="2400" dirty="0" smtClean="0"/>
-              <a:t>under </a:t>
-            </a:r>
-            <a:r>
-              <a:rPr lang="en-US" sz="2400" dirty="0" smtClean="0"/>
-              <a:t>test </a:t>
+              <a:t>software under test </a:t>
             </a:r>
           </a:p>
           <a:p>
@@ -3131,15 +3131,7 @@
             </a:pPr>
             <a:r>
               <a:rPr lang="en-US" sz="2400" dirty="0" smtClean="0"/>
-              <a:t>OS</a:t>
-            </a:r>
-            <a:r>
-              <a:rPr lang="en-US" sz="2400" dirty="0" smtClean="0"/>
-              <a:t>, complier</a:t>
-            </a:r>
-            <a:r>
-              <a:rPr lang="en-US" sz="2400" dirty="0" smtClean="0"/>
-              <a:t>…..</a:t>
+              <a:t>OS, complier…..</a:t>
             </a:r>
           </a:p>
           <a:p>
@@ -3178,16 +3170,1192 @@
           <a:p>
             <a:r>
               <a:rPr lang="en-US" sz="2800" dirty="0" smtClean="0"/>
-              <a:t>Bugs could be </a:t>
-            </a:r>
-            <a:r>
-              <a:rPr lang="en-US" sz="2800" dirty="0" smtClean="0"/>
-              <a:t>in </a:t>
+              <a:t>Bugs could be in </a:t>
             </a:r>
             <a:endParaRPr lang="en-US" sz="2800" dirty="0"/>
           </a:p>
         </p:txBody>
       </p:sp>
+    </p:spTree>
+  </p:cSld>
+  <p:clrMapOvr>
+    <a:masterClrMapping/>
+  </p:clrMapOvr>
+</p:sld>
+</file>
+
+<file path=ppt/slides/slide10.xml><?xml version="1.0" encoding="utf-8"?>
+<p:sld xmlns:a="http://schemas.openxmlformats.org/drawingml/2006/main" xmlns:r="http://schemas.openxmlformats.org/officeDocument/2006/relationships" xmlns:p="http://schemas.openxmlformats.org/presentationml/2006/main">
+  <p:cSld>
+    <p:spTree>
+      <p:nvGrpSpPr>
+        <p:cNvPr id="1" name=""/>
+        <p:cNvGrpSpPr/>
+        <p:nvPr/>
+      </p:nvGrpSpPr>
+      <p:grpSpPr>
+        <a:xfrm>
+          <a:off x="0" y="0"/>
+          <a:ext cx="0" cy="0"/>
+          <a:chOff x="0" y="0"/>
+          <a:chExt cx="0" cy="0"/>
+        </a:xfrm>
+      </p:grpSpPr>
+      <p:sp>
+        <p:nvSpPr>
+          <p:cNvPr id="5" name="TextBox 4"/>
+          <p:cNvSpPr txBox="1"/>
+          <p:nvPr/>
+        </p:nvSpPr>
+        <p:spPr>
+          <a:xfrm>
+            <a:off x="5943600" y="457200"/>
+            <a:ext cx="2133600" cy="369332"/>
+          </a:xfrm>
+          <a:prstGeom prst="rect">
+            <a:avLst/>
+          </a:prstGeom>
+          <a:noFill/>
+        </p:spPr>
+        <p:txBody>
+          <a:bodyPr wrap="square" rtlCol="0">
+            <a:spAutoFit/>
+          </a:bodyPr>
+          <a:lstStyle/>
+          <a:p>
+            <a:r>
+              <a:rPr lang="en-US" dirty="0" smtClean="0"/>
+              <a:t>a lot more work</a:t>
+            </a:r>
+            <a:endParaRPr lang="en-US" dirty="0"/>
+          </a:p>
+        </p:txBody>
+      </p:sp>
+      <p:grpSp>
+        <p:nvGrpSpPr>
+          <p:cNvPr id="6" name="Group 5"/>
+          <p:cNvGrpSpPr/>
+          <p:nvPr/>
+        </p:nvGrpSpPr>
+        <p:grpSpPr>
+          <a:xfrm>
+            <a:off x="609600" y="0"/>
+            <a:ext cx="7848600" cy="6238875"/>
+            <a:chOff x="609600" y="0"/>
+            <a:chExt cx="7848600" cy="6238875"/>
+          </a:xfrm>
+        </p:grpSpPr>
+        <p:pic>
+          <p:nvPicPr>
+            <p:cNvPr id="22529" name="Picture 1" descr="C:\Users\daybreaklee\AppData\Roaming\Tencent\Users\359226102\QQ\WinTemp\RichOle\_6K$RNM]`E42FW9$IV_LF72.jpg"/>
+            <p:cNvPicPr>
+              <a:picLocks noChangeAspect="1" noChangeArrowheads="1"/>
+            </p:cNvPicPr>
+            <p:nvPr/>
+          </p:nvPicPr>
+          <p:blipFill>
+            <a:blip r:embed="rId2"/>
+            <a:srcRect/>
+            <a:stretch>
+              <a:fillRect/>
+            </a:stretch>
+          </p:blipFill>
+          <p:spPr bwMode="auto">
+            <a:xfrm>
+              <a:off x="609600" y="0"/>
+              <a:ext cx="7848600" cy="4067175"/>
+            </a:xfrm>
+            <a:prstGeom prst="rect">
+              <a:avLst/>
+            </a:prstGeom>
+            <a:noFill/>
+          </p:spPr>
+        </p:pic>
+        <p:pic>
+          <p:nvPicPr>
+            <p:cNvPr id="22530" name="Picture 2" descr="C:\Users\daybreaklee\AppData\Roaming\Tencent\Users\359226102\QQ\WinTemp\RichOle\7)3U{K3XH5W]X4]4NORISZO.jpg"/>
+            <p:cNvPicPr>
+              <a:picLocks noChangeAspect="1" noChangeArrowheads="1"/>
+            </p:cNvPicPr>
+            <p:nvPr/>
+          </p:nvPicPr>
+          <p:blipFill>
+            <a:blip r:embed="rId3"/>
+            <a:srcRect t="6478"/>
+            <a:stretch>
+              <a:fillRect/>
+            </a:stretch>
+          </p:blipFill>
+          <p:spPr bwMode="auto">
+            <a:xfrm>
+              <a:off x="609600" y="4038600"/>
+              <a:ext cx="6448425" cy="2200275"/>
+            </a:xfrm>
+            <a:prstGeom prst="rect">
+              <a:avLst/>
+            </a:prstGeom>
+            <a:noFill/>
+          </p:spPr>
+        </p:pic>
+      </p:grpSp>
+    </p:spTree>
+  </p:cSld>
+  <p:clrMapOvr>
+    <a:masterClrMapping/>
+  </p:clrMapOvr>
+</p:sld>
+</file>
+
+<file path=ppt/slides/slide11.xml><?xml version="1.0" encoding="utf-8"?>
+<p:sld xmlns:a="http://schemas.openxmlformats.org/drawingml/2006/main" xmlns:r="http://schemas.openxmlformats.org/officeDocument/2006/relationships" xmlns:p="http://schemas.openxmlformats.org/presentationml/2006/main">
+  <p:cSld>
+    <p:spTree>
+      <p:nvGrpSpPr>
+        <p:cNvPr id="1" name=""/>
+        <p:cNvGrpSpPr/>
+        <p:nvPr/>
+      </p:nvGrpSpPr>
+      <p:grpSpPr>
+        <a:xfrm>
+          <a:off x="0" y="0"/>
+          <a:ext cx="0" cy="0"/>
+          <a:chOff x="0" y="0"/>
+          <a:chExt cx="0" cy="0"/>
+        </a:xfrm>
+      </p:grpSpPr>
+      <p:grpSp>
+        <p:nvGrpSpPr>
+          <p:cNvPr id="7" name="Group 6"/>
+          <p:cNvGrpSpPr/>
+          <p:nvPr/>
+        </p:nvGrpSpPr>
+        <p:grpSpPr>
+          <a:xfrm>
+            <a:off x="228601" y="457200"/>
+            <a:ext cx="8753474" cy="5581650"/>
+            <a:chOff x="228601" y="457200"/>
+            <a:chExt cx="8753474" cy="5581650"/>
+          </a:xfrm>
+        </p:grpSpPr>
+        <p:pic>
+          <p:nvPicPr>
+            <p:cNvPr id="23553" name="Picture 1" descr="C:\Users\daybreaklee\AppData\Roaming\Tencent\Users\359226102\QQ\WinTemp\RichOle\QW2)7JT[)PTB9{R62@9MCAS.jpg"/>
+            <p:cNvPicPr>
+              <a:picLocks noChangeAspect="1" noChangeArrowheads="1"/>
+            </p:cNvPicPr>
+            <p:nvPr/>
+          </p:nvPicPr>
+          <p:blipFill>
+            <a:blip r:embed="rId2"/>
+            <a:srcRect/>
+            <a:stretch>
+              <a:fillRect/>
+            </a:stretch>
+          </p:blipFill>
+          <p:spPr bwMode="auto">
+            <a:xfrm>
+              <a:off x="228601" y="457200"/>
+              <a:ext cx="5181600" cy="3038475"/>
+            </a:xfrm>
+            <a:prstGeom prst="rect">
+              <a:avLst/>
+            </a:prstGeom>
+            <a:noFill/>
+          </p:spPr>
+        </p:pic>
+        <p:pic>
+          <p:nvPicPr>
+            <p:cNvPr id="23554" name="Picture 2" descr="C:\Users\daybreaklee\AppData\Roaming\Tencent\Users\359226102\QQ\WinTemp\RichOle\G]K}Q65XBNZ@E9KO3DV@2MV.jpg"/>
+            <p:cNvPicPr>
+              <a:picLocks noChangeAspect="1" noChangeArrowheads="1"/>
+            </p:cNvPicPr>
+            <p:nvPr/>
+          </p:nvPicPr>
+          <p:blipFill>
+            <a:blip r:embed="rId3"/>
+            <a:srcRect/>
+            <a:stretch>
+              <a:fillRect/>
+            </a:stretch>
+          </p:blipFill>
+          <p:spPr bwMode="auto">
+            <a:xfrm>
+              <a:off x="5353050" y="533400"/>
+              <a:ext cx="3562350" cy="2895600"/>
+            </a:xfrm>
+            <a:prstGeom prst="rect">
+              <a:avLst/>
+            </a:prstGeom>
+            <a:noFill/>
+          </p:spPr>
+        </p:pic>
+        <p:pic>
+          <p:nvPicPr>
+            <p:cNvPr id="23556" name="Picture 4" descr="C:\Users\daybreaklee\AppData\Roaming\Tencent\Users\359226102\QQ\WinTemp\RichOle\L(]X(YG_%_FZFG}Q({}SZ7B.jpg"/>
+            <p:cNvPicPr>
+              <a:picLocks noChangeAspect="1" noChangeArrowheads="1"/>
+            </p:cNvPicPr>
+            <p:nvPr/>
+          </p:nvPicPr>
+          <p:blipFill>
+            <a:blip r:embed="rId4"/>
+            <a:srcRect/>
+            <a:stretch>
+              <a:fillRect/>
+            </a:stretch>
+          </p:blipFill>
+          <p:spPr bwMode="auto">
+            <a:xfrm>
+              <a:off x="5410200" y="2743200"/>
+              <a:ext cx="3571875" cy="3228975"/>
+            </a:xfrm>
+            <a:prstGeom prst="rect">
+              <a:avLst/>
+            </a:prstGeom>
+            <a:noFill/>
+          </p:spPr>
+        </p:pic>
+        <p:sp>
+          <p:nvSpPr>
+            <p:cNvPr id="8" name="TextBox 7"/>
+            <p:cNvSpPr txBox="1"/>
+            <p:nvPr/>
+          </p:nvSpPr>
+          <p:spPr>
+            <a:xfrm>
+              <a:off x="914400" y="3810000"/>
+              <a:ext cx="4495800" cy="369332"/>
+            </a:xfrm>
+            <a:prstGeom prst="rect">
+              <a:avLst/>
+            </a:prstGeom>
+            <a:noFill/>
+          </p:spPr>
+          <p:txBody>
+            <a:bodyPr wrap="square" rtlCol="0">
+              <a:spAutoFit/>
+            </a:bodyPr>
+            <a:lstStyle/>
+            <a:p>
+              <a:r>
+                <a:rPr lang="en-US" dirty="0" smtClean="0"/>
+                <a:t>- Null space transformation</a:t>
+              </a:r>
+              <a:endParaRPr lang="en-US" dirty="0"/>
+            </a:p>
+          </p:txBody>
+        </p:sp>
+        <p:pic>
+          <p:nvPicPr>
+            <p:cNvPr id="23557" name="Picture 5" descr="C:\Users\daybreaklee\AppData\Roaming\Tencent\Users\359226102\QQ\WinTemp\RichOle\`2ITY1QJ_YA(FXC50G~}%`2.jpg"/>
+            <p:cNvPicPr>
+              <a:picLocks noChangeAspect="1" noChangeArrowheads="1"/>
+            </p:cNvPicPr>
+            <p:nvPr/>
+          </p:nvPicPr>
+          <p:blipFill>
+            <a:blip r:embed="rId5"/>
+            <a:srcRect/>
+            <a:stretch>
+              <a:fillRect/>
+            </a:stretch>
+          </p:blipFill>
+          <p:spPr bwMode="auto">
+            <a:xfrm>
+              <a:off x="1295400" y="4114800"/>
+              <a:ext cx="2524125" cy="1924050"/>
+            </a:xfrm>
+            <a:prstGeom prst="rect">
+              <a:avLst/>
+            </a:prstGeom>
+            <a:noFill/>
+          </p:spPr>
+        </p:pic>
+      </p:grpSp>
+    </p:spTree>
+  </p:cSld>
+  <p:clrMapOvr>
+    <a:masterClrMapping/>
+  </p:clrMapOvr>
+</p:sld>
+</file>
+
+<file path=ppt/slides/slide12.xml><?xml version="1.0" encoding="utf-8"?>
+<p:sld xmlns:a="http://schemas.openxmlformats.org/drawingml/2006/main" xmlns:r="http://schemas.openxmlformats.org/officeDocument/2006/relationships" xmlns:p="http://schemas.openxmlformats.org/presentationml/2006/main">
+  <p:cSld>
+    <p:spTree>
+      <p:nvGrpSpPr>
+        <p:cNvPr id="1" name=""/>
+        <p:cNvGrpSpPr/>
+        <p:nvPr/>
+      </p:nvGrpSpPr>
+      <p:grpSpPr>
+        <a:xfrm>
+          <a:off x="0" y="0"/>
+          <a:ext cx="0" cy="0"/>
+          <a:chOff x="0" y="0"/>
+          <a:chExt cx="0" cy="0"/>
+        </a:xfrm>
+      </p:grpSpPr>
+      <p:sp>
+        <p:nvSpPr>
+          <p:cNvPr id="1027" name="AutoShape 3" descr="C:\Users\daybreaklee\AppData\Roaming\Tencent\Users\359226102\QQ\WinTemp\RichOle\(F(Y6I4_D%]h7SP0OT%UI.jpg"/>
+          <p:cNvSpPr>
+            <a:spLocks noChangeAspect="1" noChangeArrowheads="1"/>
+          </p:cNvSpPr>
+          <p:nvPr/>
+        </p:nvSpPr>
+        <p:spPr bwMode="auto">
+          <a:xfrm>
+            <a:off x="0" y="0"/>
+            <a:ext cx="304800" cy="304800"/>
+          </a:xfrm>
+          <a:prstGeom prst="rect">
+            <a:avLst/>
+          </a:prstGeom>
+          <a:noFill/>
+        </p:spPr>
+        <p:txBody>
+          <a:bodyPr vert="horz" wrap="square" lIns="91440" tIns="45720" rIns="91440" bIns="45720" numCol="1" anchor="t" anchorCtr="0" compatLnSpc="1">
+            <a:prstTxWarp prst="textNoShape">
+              <a:avLst/>
+            </a:prstTxWarp>
+          </a:bodyPr>
+          <a:lstStyle/>
+          <a:p>
+            <a:endParaRPr lang="en-US"/>
+          </a:p>
+        </p:txBody>
+      </p:sp>
+      <p:grpSp>
+        <p:nvGrpSpPr>
+          <p:cNvPr id="7" name="Group 6"/>
+          <p:cNvGrpSpPr/>
+          <p:nvPr/>
+        </p:nvGrpSpPr>
+        <p:grpSpPr>
+          <a:xfrm>
+            <a:off x="990600" y="1219200"/>
+            <a:ext cx="7419975" cy="4953000"/>
+            <a:chOff x="0" y="0"/>
+            <a:chExt cx="7419975" cy="4953000"/>
+          </a:xfrm>
+        </p:grpSpPr>
+        <p:pic>
+          <p:nvPicPr>
+            <p:cNvPr id="1025" name="Picture 1" descr="C:\Users\daybreaklee\AppData\Roaming\Tencent\Users\359226102\QQ\WinTemp\RichOle\Q(CBPWEKKLB2}LMI2Z5EC@F.jpg"/>
+            <p:cNvPicPr>
+              <a:picLocks noChangeAspect="1" noChangeArrowheads="1"/>
+            </p:cNvPicPr>
+            <p:nvPr/>
+          </p:nvPicPr>
+          <p:blipFill>
+            <a:blip r:embed="rId2"/>
+            <a:srcRect/>
+            <a:stretch>
+              <a:fillRect/>
+            </a:stretch>
+          </p:blipFill>
+          <p:spPr bwMode="auto">
+            <a:xfrm>
+              <a:off x="0" y="0"/>
+              <a:ext cx="7419975" cy="3743325"/>
+            </a:xfrm>
+            <a:prstGeom prst="rect">
+              <a:avLst/>
+            </a:prstGeom>
+            <a:noFill/>
+          </p:spPr>
+        </p:pic>
+        <p:pic>
+          <p:nvPicPr>
+            <p:cNvPr id="1026" name="Picture 2" descr="C:\Users\daybreaklee\AppData\Roaming\Tencent\Users\359226102\QQ\WinTemp\RichOle\8NVF{4KJ2@SC7T0WPE]_@K2.jpg"/>
+            <p:cNvPicPr>
+              <a:picLocks noChangeAspect="1" noChangeArrowheads="1"/>
+            </p:cNvPicPr>
+            <p:nvPr/>
+          </p:nvPicPr>
+          <p:blipFill>
+            <a:blip r:embed="rId3"/>
+            <a:srcRect/>
+            <a:stretch>
+              <a:fillRect/>
+            </a:stretch>
+          </p:blipFill>
+          <p:spPr bwMode="auto">
+            <a:xfrm>
+              <a:off x="3962400" y="2667000"/>
+              <a:ext cx="3352800" cy="2286000"/>
+            </a:xfrm>
+            <a:prstGeom prst="rect">
+              <a:avLst/>
+            </a:prstGeom>
+            <a:noFill/>
+          </p:spPr>
+        </p:pic>
+      </p:grpSp>
+    </p:spTree>
+  </p:cSld>
+  <p:clrMapOvr>
+    <a:masterClrMapping/>
+  </p:clrMapOvr>
+</p:sld>
+</file>
+
+<file path=ppt/slides/slide13.xml><?xml version="1.0" encoding="utf-8"?>
+<p:sld xmlns:a="http://schemas.openxmlformats.org/drawingml/2006/main" xmlns:r="http://schemas.openxmlformats.org/officeDocument/2006/relationships" xmlns:p="http://schemas.openxmlformats.org/presentationml/2006/main">
+  <p:cSld>
+    <p:spTree>
+      <p:nvGrpSpPr>
+        <p:cNvPr id="1" name=""/>
+        <p:cNvGrpSpPr/>
+        <p:nvPr/>
+      </p:nvGrpSpPr>
+      <p:grpSpPr>
+        <a:xfrm>
+          <a:off x="0" y="0"/>
+          <a:ext cx="0" cy="0"/>
+          <a:chOff x="0" y="0"/>
+          <a:chExt cx="0" cy="0"/>
+        </a:xfrm>
+      </p:grpSpPr>
+      <p:sp>
+        <p:nvSpPr>
+          <p:cNvPr id="25602" name="AutoShape 2" descr="C:\Users\daybreaklee\AppData\Roaming\Tencent\Users\359226102\QQ\WinTemp\RichOle\(F(Y6I4_D%]h7SP0OT%UI.jpg"/>
+          <p:cNvSpPr>
+            <a:spLocks noChangeAspect="1" noChangeArrowheads="1"/>
+          </p:cNvSpPr>
+          <p:nvPr/>
+        </p:nvSpPr>
+        <p:spPr bwMode="auto">
+          <a:xfrm>
+            <a:off x="0" y="0"/>
+            <a:ext cx="304800" cy="304800"/>
+          </a:xfrm>
+          <a:prstGeom prst="rect">
+            <a:avLst/>
+          </a:prstGeom>
+          <a:noFill/>
+        </p:spPr>
+        <p:txBody>
+          <a:bodyPr vert="horz" wrap="square" lIns="91440" tIns="45720" rIns="91440" bIns="45720" numCol="1" anchor="t" anchorCtr="0" compatLnSpc="1">
+            <a:prstTxWarp prst="textNoShape">
+              <a:avLst/>
+            </a:prstTxWarp>
+          </a:bodyPr>
+          <a:lstStyle/>
+          <a:p>
+            <a:endParaRPr lang="en-US"/>
+          </a:p>
+        </p:txBody>
+      </p:sp>
+      <p:sp>
+        <p:nvSpPr>
+          <p:cNvPr id="25603" name="AutoShape 3" descr="C:\Users\daybreaklee\AppData\Roaming\Tencent\Users\359226102\QQ\WinTemp\RichOle\(F(Y6I4_D%]h7SP0OT%UI.jpg"/>
+          <p:cNvSpPr>
+            <a:spLocks noChangeAspect="1" noChangeArrowheads="1"/>
+          </p:cNvSpPr>
+          <p:nvPr/>
+        </p:nvSpPr>
+        <p:spPr bwMode="auto">
+          <a:xfrm>
+            <a:off x="0" y="0"/>
+            <a:ext cx="304800" cy="304800"/>
+          </a:xfrm>
+          <a:prstGeom prst="rect">
+            <a:avLst/>
+          </a:prstGeom>
+          <a:noFill/>
+        </p:spPr>
+        <p:txBody>
+          <a:bodyPr vert="horz" wrap="square" lIns="91440" tIns="45720" rIns="91440" bIns="45720" numCol="1" anchor="t" anchorCtr="0" compatLnSpc="1">
+            <a:prstTxWarp prst="textNoShape">
+              <a:avLst/>
+            </a:prstTxWarp>
+          </a:bodyPr>
+          <a:lstStyle/>
+          <a:p>
+            <a:endParaRPr lang="en-US"/>
+          </a:p>
+        </p:txBody>
+      </p:sp>
+      <p:sp>
+        <p:nvSpPr>
+          <p:cNvPr id="25604" name="AutoShape 4" descr="C:\Users\daybreaklee\AppData\Roaming\Tencent\Users\359226102\QQ\WinTemp\RichOle\(F(Y6I4_D%]h7SP0OT%UI.jpg"/>
+          <p:cNvSpPr>
+            <a:spLocks noChangeAspect="1" noChangeArrowheads="1"/>
+          </p:cNvSpPr>
+          <p:nvPr/>
+        </p:nvSpPr>
+        <p:spPr bwMode="auto">
+          <a:xfrm>
+            <a:off x="0" y="0"/>
+            <a:ext cx="304800" cy="304800"/>
+          </a:xfrm>
+          <a:prstGeom prst="rect">
+            <a:avLst/>
+          </a:prstGeom>
+          <a:noFill/>
+        </p:spPr>
+        <p:txBody>
+          <a:bodyPr vert="horz" wrap="square" lIns="91440" tIns="45720" rIns="91440" bIns="45720" numCol="1" anchor="t" anchorCtr="0" compatLnSpc="1">
+            <a:prstTxWarp prst="textNoShape">
+              <a:avLst/>
+            </a:prstTxWarp>
+          </a:bodyPr>
+          <a:lstStyle/>
+          <a:p>
+            <a:endParaRPr lang="en-US"/>
+          </a:p>
+        </p:txBody>
+      </p:sp>
+      <p:sp>
+        <p:nvSpPr>
+          <p:cNvPr id="25605" name="AutoShape 5" descr="C:\Users\daybreaklee\AppData\Roaming\Tencent\Users\359226102\QQ\WinTemp\RichOle\(F(Y6I4_D%]h7SP0OT%UI.jpg"/>
+          <p:cNvSpPr>
+            <a:spLocks noChangeAspect="1" noChangeArrowheads="1"/>
+          </p:cNvSpPr>
+          <p:nvPr/>
+        </p:nvSpPr>
+        <p:spPr bwMode="auto">
+          <a:xfrm>
+            <a:off x="0" y="0"/>
+            <a:ext cx="304800" cy="304800"/>
+          </a:xfrm>
+          <a:prstGeom prst="rect">
+            <a:avLst/>
+          </a:prstGeom>
+          <a:noFill/>
+        </p:spPr>
+        <p:txBody>
+          <a:bodyPr vert="horz" wrap="square" lIns="91440" tIns="45720" rIns="91440" bIns="45720" numCol="1" anchor="t" anchorCtr="0" compatLnSpc="1">
+            <a:prstTxWarp prst="textNoShape">
+              <a:avLst/>
+            </a:prstTxWarp>
+          </a:bodyPr>
+          <a:lstStyle/>
+          <a:p>
+            <a:endParaRPr lang="en-US"/>
+          </a:p>
+        </p:txBody>
+      </p:sp>
+      <p:sp>
+        <p:nvSpPr>
+          <p:cNvPr id="25606" name="AutoShape 6" descr="C:\Users\daybreaklee\AppData\Roaming\Tencent\Users\359226102\QQ\WinTemp\RichOle\(F(Y6I4_D%]h7SP0OT%UI.jpg"/>
+          <p:cNvSpPr>
+            <a:spLocks noChangeAspect="1" noChangeArrowheads="1"/>
+          </p:cNvSpPr>
+          <p:nvPr/>
+        </p:nvSpPr>
+        <p:spPr bwMode="auto">
+          <a:xfrm>
+            <a:off x="0" y="0"/>
+            <a:ext cx="304800" cy="304800"/>
+          </a:xfrm>
+          <a:prstGeom prst="rect">
+            <a:avLst/>
+          </a:prstGeom>
+          <a:noFill/>
+        </p:spPr>
+        <p:txBody>
+          <a:bodyPr vert="horz" wrap="square" lIns="91440" tIns="45720" rIns="91440" bIns="45720" numCol="1" anchor="t" anchorCtr="0" compatLnSpc="1">
+            <a:prstTxWarp prst="textNoShape">
+              <a:avLst/>
+            </a:prstTxWarp>
+          </a:bodyPr>
+          <a:lstStyle/>
+          <a:p>
+            <a:endParaRPr lang="en-US"/>
+          </a:p>
+        </p:txBody>
+      </p:sp>
+      <p:grpSp>
+        <p:nvGrpSpPr>
+          <p:cNvPr id="12" name="Group 11"/>
+          <p:cNvGrpSpPr/>
+          <p:nvPr/>
+        </p:nvGrpSpPr>
+        <p:grpSpPr>
+          <a:xfrm>
+            <a:off x="533400" y="228600"/>
+            <a:ext cx="7699513" cy="6248400"/>
+            <a:chOff x="533400" y="228600"/>
+            <a:chExt cx="7699513" cy="6248400"/>
+          </a:xfrm>
+        </p:grpSpPr>
+        <p:pic>
+          <p:nvPicPr>
+            <p:cNvPr id="25601" name="Picture 1" descr="C:\Users\daybreaklee\AppData\Roaming\Tencent\Users\359226102\QQ\WinTemp\RichOle\(W[[J1G`O22HALLD4ZKZ_T6.jpg"/>
+            <p:cNvPicPr>
+              <a:picLocks noChangeAspect="1" noChangeArrowheads="1"/>
+            </p:cNvPicPr>
+            <p:nvPr/>
+          </p:nvPicPr>
+          <p:blipFill>
+            <a:blip r:embed="rId2"/>
+            <a:srcRect/>
+            <a:stretch>
+              <a:fillRect/>
+            </a:stretch>
+          </p:blipFill>
+          <p:spPr bwMode="auto">
+            <a:xfrm>
+              <a:off x="609600" y="228600"/>
+              <a:ext cx="7623313" cy="2971800"/>
+            </a:xfrm>
+            <a:prstGeom prst="rect">
+              <a:avLst/>
+            </a:prstGeom>
+            <a:noFill/>
+          </p:spPr>
+        </p:pic>
+        <p:pic>
+          <p:nvPicPr>
+            <p:cNvPr id="25607" name="Picture 7" descr="C:\Users\daybreaklee\AppData\Roaming\Tencent\Users\359226102\QQ\WinTemp\RichOle\W(2FI2H5LCD9AG`U$G10A8A.jpg"/>
+            <p:cNvPicPr>
+              <a:picLocks noChangeAspect="1" noChangeArrowheads="1"/>
+            </p:cNvPicPr>
+            <p:nvPr/>
+          </p:nvPicPr>
+          <p:blipFill>
+            <a:blip r:embed="rId3"/>
+            <a:srcRect/>
+            <a:stretch>
+              <a:fillRect/>
+            </a:stretch>
+          </p:blipFill>
+          <p:spPr bwMode="auto">
+            <a:xfrm>
+              <a:off x="533400" y="3200400"/>
+              <a:ext cx="7448550" cy="3276600"/>
+            </a:xfrm>
+            <a:prstGeom prst="rect">
+              <a:avLst/>
+            </a:prstGeom>
+            <a:noFill/>
+          </p:spPr>
+        </p:pic>
+      </p:grpSp>
+    </p:spTree>
+  </p:cSld>
+  <p:clrMapOvr>
+    <a:masterClrMapping/>
+  </p:clrMapOvr>
+</p:sld>
+</file>
+
+<file path=ppt/slides/slide14.xml><?xml version="1.0" encoding="utf-8"?>
+<p:sld xmlns:a="http://schemas.openxmlformats.org/drawingml/2006/main" xmlns:r="http://schemas.openxmlformats.org/officeDocument/2006/relationships" xmlns:p="http://schemas.openxmlformats.org/presentationml/2006/main">
+  <p:cSld>
+    <p:spTree>
+      <p:nvGrpSpPr>
+        <p:cNvPr id="1" name=""/>
+        <p:cNvGrpSpPr/>
+        <p:nvPr/>
+      </p:nvGrpSpPr>
+      <p:grpSpPr>
+        <a:xfrm>
+          <a:off x="0" y="0"/>
+          <a:ext cx="0" cy="0"/>
+          <a:chOff x="0" y="0"/>
+          <a:chExt cx="0" cy="0"/>
+        </a:xfrm>
+      </p:grpSpPr>
+      <p:sp>
+        <p:nvSpPr>
+          <p:cNvPr id="26625" name="AutoShape 1" descr="C:\Users\daybreaklee\AppData\Roaming\Tencent\Users\359226102\QQ\WinTemp\RichOle\(F(Y6I4_D%]h7SP0OT%UI.jpg"/>
+          <p:cNvSpPr>
+            <a:spLocks noChangeAspect="1" noChangeArrowheads="1"/>
+          </p:cNvSpPr>
+          <p:nvPr/>
+        </p:nvSpPr>
+        <p:spPr bwMode="auto">
+          <a:xfrm>
+            <a:off x="0" y="0"/>
+            <a:ext cx="304800" cy="304800"/>
+          </a:xfrm>
+          <a:prstGeom prst="rect">
+            <a:avLst/>
+          </a:prstGeom>
+          <a:noFill/>
+        </p:spPr>
+        <p:txBody>
+          <a:bodyPr vert="horz" wrap="square" lIns="91440" tIns="45720" rIns="91440" bIns="45720" numCol="1" anchor="t" anchorCtr="0" compatLnSpc="1">
+            <a:prstTxWarp prst="textNoShape">
+              <a:avLst/>
+            </a:prstTxWarp>
+          </a:bodyPr>
+          <a:lstStyle/>
+          <a:p>
+            <a:endParaRPr lang="en-US"/>
+          </a:p>
+        </p:txBody>
+      </p:sp>
+      <p:sp>
+        <p:nvSpPr>
+          <p:cNvPr id="26626" name="AutoShape 2" descr="C:\Users\daybreaklee\AppData\Roaming\Tencent\Users\359226102\QQ\WinTemp\RichOle\(F(Y6I4_D%]h7SP0OT%UI.jpg"/>
+          <p:cNvSpPr>
+            <a:spLocks noChangeAspect="1" noChangeArrowheads="1"/>
+          </p:cNvSpPr>
+          <p:nvPr/>
+        </p:nvSpPr>
+        <p:spPr bwMode="auto">
+          <a:xfrm>
+            <a:off x="0" y="0"/>
+            <a:ext cx="304800" cy="304800"/>
+          </a:xfrm>
+          <a:prstGeom prst="rect">
+            <a:avLst/>
+          </a:prstGeom>
+          <a:noFill/>
+        </p:spPr>
+        <p:txBody>
+          <a:bodyPr vert="horz" wrap="square" lIns="91440" tIns="45720" rIns="91440" bIns="45720" numCol="1" anchor="t" anchorCtr="0" compatLnSpc="1">
+            <a:prstTxWarp prst="textNoShape">
+              <a:avLst/>
+            </a:prstTxWarp>
+          </a:bodyPr>
+          <a:lstStyle/>
+          <a:p>
+            <a:endParaRPr lang="en-US"/>
+          </a:p>
+        </p:txBody>
+      </p:sp>
+      <p:sp>
+        <p:nvSpPr>
+          <p:cNvPr id="26627" name="AutoShape 3" descr="C:\Users\daybreaklee\AppData\Roaming\Tencent\Users\359226102\QQ\WinTemp\RichOle\(F(Y6I4_D%]h7SP0OT%UI.jpg"/>
+          <p:cNvSpPr>
+            <a:spLocks noChangeAspect="1" noChangeArrowheads="1"/>
+          </p:cNvSpPr>
+          <p:nvPr/>
+        </p:nvSpPr>
+        <p:spPr bwMode="auto">
+          <a:xfrm>
+            <a:off x="0" y="0"/>
+            <a:ext cx="304800" cy="304800"/>
+          </a:xfrm>
+          <a:prstGeom prst="rect">
+            <a:avLst/>
+          </a:prstGeom>
+          <a:noFill/>
+        </p:spPr>
+        <p:txBody>
+          <a:bodyPr vert="horz" wrap="square" lIns="91440" tIns="45720" rIns="91440" bIns="45720" numCol="1" anchor="t" anchorCtr="0" compatLnSpc="1">
+            <a:prstTxWarp prst="textNoShape">
+              <a:avLst/>
+            </a:prstTxWarp>
+          </a:bodyPr>
+          <a:lstStyle/>
+          <a:p>
+            <a:endParaRPr lang="en-US"/>
+          </a:p>
+        </p:txBody>
+      </p:sp>
+      <p:sp>
+        <p:nvSpPr>
+          <p:cNvPr id="26628" name="AutoShape 4" descr="C:\Users\daybreaklee\AppData\Roaming\Tencent\Users\359226102\QQ\WinTemp\RichOle\(F(Y6I4_D%]h7SP0OT%UI.jpg"/>
+          <p:cNvSpPr>
+            <a:spLocks noChangeAspect="1" noChangeArrowheads="1"/>
+          </p:cNvSpPr>
+          <p:nvPr/>
+        </p:nvSpPr>
+        <p:spPr bwMode="auto">
+          <a:xfrm>
+            <a:off x="0" y="0"/>
+            <a:ext cx="304800" cy="304800"/>
+          </a:xfrm>
+          <a:prstGeom prst="rect">
+            <a:avLst/>
+          </a:prstGeom>
+          <a:noFill/>
+        </p:spPr>
+        <p:txBody>
+          <a:bodyPr vert="horz" wrap="square" lIns="91440" tIns="45720" rIns="91440" bIns="45720" numCol="1" anchor="t" anchorCtr="0" compatLnSpc="1">
+            <a:prstTxWarp prst="textNoShape">
+              <a:avLst/>
+            </a:prstTxWarp>
+          </a:bodyPr>
+          <a:lstStyle/>
+          <a:p>
+            <a:endParaRPr lang="en-US"/>
+          </a:p>
+        </p:txBody>
+      </p:sp>
+      <p:sp>
+        <p:nvSpPr>
+          <p:cNvPr id="26629" name="AutoShape 5" descr="C:\Users\daybreaklee\AppData\Roaming\Tencent\Users\359226102\QQ\WinTemp\RichOle\(F(Y6I4_D%]h7SP0OT%UI.jpg"/>
+          <p:cNvSpPr>
+            <a:spLocks noChangeAspect="1" noChangeArrowheads="1"/>
+          </p:cNvSpPr>
+          <p:nvPr/>
+        </p:nvSpPr>
+        <p:spPr bwMode="auto">
+          <a:xfrm>
+            <a:off x="0" y="0"/>
+            <a:ext cx="304800" cy="304800"/>
+          </a:xfrm>
+          <a:prstGeom prst="rect">
+            <a:avLst/>
+          </a:prstGeom>
+          <a:noFill/>
+        </p:spPr>
+        <p:txBody>
+          <a:bodyPr vert="horz" wrap="square" lIns="91440" tIns="45720" rIns="91440" bIns="45720" numCol="1" anchor="t" anchorCtr="0" compatLnSpc="1">
+            <a:prstTxWarp prst="textNoShape">
+              <a:avLst/>
+            </a:prstTxWarp>
+          </a:bodyPr>
+          <a:lstStyle/>
+          <a:p>
+            <a:endParaRPr lang="en-US"/>
+          </a:p>
+        </p:txBody>
+      </p:sp>
+      <p:sp>
+        <p:nvSpPr>
+          <p:cNvPr id="26630" name="AutoShape 6" descr="C:\Users\daybreaklee\AppData\Roaming\Tencent\Users\359226102\QQ\WinTemp\RichOle\(F(Y6I4_D%]h7SP0OT%UI.jpg"/>
+          <p:cNvSpPr>
+            <a:spLocks noChangeAspect="1" noChangeArrowheads="1"/>
+          </p:cNvSpPr>
+          <p:nvPr/>
+        </p:nvSpPr>
+        <p:spPr bwMode="auto">
+          <a:xfrm>
+            <a:off x="0" y="0"/>
+            <a:ext cx="304800" cy="304800"/>
+          </a:xfrm>
+          <a:prstGeom prst="rect">
+            <a:avLst/>
+          </a:prstGeom>
+          <a:noFill/>
+        </p:spPr>
+        <p:txBody>
+          <a:bodyPr vert="horz" wrap="square" lIns="91440" tIns="45720" rIns="91440" bIns="45720" numCol="1" anchor="t" anchorCtr="0" compatLnSpc="1">
+            <a:prstTxWarp prst="textNoShape">
+              <a:avLst/>
+            </a:prstTxWarp>
+          </a:bodyPr>
+          <a:lstStyle/>
+          <a:p>
+            <a:endParaRPr lang="en-US"/>
+          </a:p>
+        </p:txBody>
+      </p:sp>
+      <p:sp>
+        <p:nvSpPr>
+          <p:cNvPr id="26631" name="AutoShape 7" descr="C:\Users\daybreaklee\AppData\Roaming\Tencent\Users\359226102\QQ\WinTemp\RichOle\(F(Y6I4_D%]h7SP0OT%UI.jpg"/>
+          <p:cNvSpPr>
+            <a:spLocks noChangeAspect="1" noChangeArrowheads="1"/>
+          </p:cNvSpPr>
+          <p:nvPr/>
+        </p:nvSpPr>
+        <p:spPr bwMode="auto">
+          <a:xfrm>
+            <a:off x="0" y="0"/>
+            <a:ext cx="304800" cy="304800"/>
+          </a:xfrm>
+          <a:prstGeom prst="rect">
+            <a:avLst/>
+          </a:prstGeom>
+          <a:noFill/>
+        </p:spPr>
+        <p:txBody>
+          <a:bodyPr vert="horz" wrap="square" lIns="91440" tIns="45720" rIns="91440" bIns="45720" numCol="1" anchor="t" anchorCtr="0" compatLnSpc="1">
+            <a:prstTxWarp prst="textNoShape">
+              <a:avLst/>
+            </a:prstTxWarp>
+          </a:bodyPr>
+          <a:lstStyle/>
+          <a:p>
+            <a:endParaRPr lang="en-US"/>
+          </a:p>
+        </p:txBody>
+      </p:sp>
+      <p:sp>
+        <p:nvSpPr>
+          <p:cNvPr id="26632" name="AutoShape 8" descr="C:\Users\daybreaklee\AppData\Roaming\Tencent\Users\359226102\QQ\WinTemp\RichOle\(F(Y6I4_D%]h7SP0OT%UI.jpg"/>
+          <p:cNvSpPr>
+            <a:spLocks noChangeAspect="1" noChangeArrowheads="1"/>
+          </p:cNvSpPr>
+          <p:nvPr/>
+        </p:nvSpPr>
+        <p:spPr bwMode="auto">
+          <a:xfrm>
+            <a:off x="0" y="0"/>
+            <a:ext cx="304800" cy="304800"/>
+          </a:xfrm>
+          <a:prstGeom prst="rect">
+            <a:avLst/>
+          </a:prstGeom>
+          <a:noFill/>
+        </p:spPr>
+        <p:txBody>
+          <a:bodyPr vert="horz" wrap="square" lIns="91440" tIns="45720" rIns="91440" bIns="45720" numCol="1" anchor="t" anchorCtr="0" compatLnSpc="1">
+            <a:prstTxWarp prst="textNoShape">
+              <a:avLst/>
+            </a:prstTxWarp>
+          </a:bodyPr>
+          <a:lstStyle/>
+          <a:p>
+            <a:endParaRPr lang="en-US"/>
+          </a:p>
+        </p:txBody>
+      </p:sp>
+      <p:pic>
+        <p:nvPicPr>
+          <p:cNvPr id="26633" name="Picture 9" descr="C:\Users\daybreaklee\AppData\Roaming\Tencent\Users\359226102\QQ\WinTemp\RichOle\)6BY4R2KVZ8P(Q9HMUHR]}K.jpg"/>
+          <p:cNvPicPr>
+            <a:picLocks noChangeAspect="1" noChangeArrowheads="1"/>
+          </p:cNvPicPr>
+          <p:nvPr/>
+        </p:nvPicPr>
+        <p:blipFill>
+          <a:blip r:embed="rId2"/>
+          <a:srcRect/>
+          <a:stretch>
+            <a:fillRect/>
+          </a:stretch>
+        </p:blipFill>
+        <p:spPr bwMode="auto">
+          <a:xfrm>
+            <a:off x="609600" y="990600"/>
+            <a:ext cx="7600950" cy="4305300"/>
+          </a:xfrm>
+          <a:prstGeom prst="rect">
+            <a:avLst/>
+          </a:prstGeom>
+          <a:noFill/>
+        </p:spPr>
+      </p:pic>
+    </p:spTree>
+  </p:cSld>
+  <p:clrMapOvr>
+    <a:masterClrMapping/>
+  </p:clrMapOvr>
+</p:sld>
+</file>
+
+<file path=ppt/slides/slide15.xml><?xml version="1.0" encoding="utf-8"?>
+<p:sld xmlns:a="http://schemas.openxmlformats.org/drawingml/2006/main" xmlns:r="http://schemas.openxmlformats.org/officeDocument/2006/relationships" xmlns:p="http://schemas.openxmlformats.org/presentationml/2006/main">
+  <p:cSld>
+    <p:spTree>
+      <p:nvGrpSpPr>
+        <p:cNvPr id="1" name=""/>
+        <p:cNvGrpSpPr/>
+        <p:nvPr/>
+      </p:nvGrpSpPr>
+      <p:grpSpPr>
+        <a:xfrm>
+          <a:off x="0" y="0"/>
+          <a:ext cx="0" cy="0"/>
+          <a:chOff x="0" y="0"/>
+          <a:chExt cx="0" cy="0"/>
+        </a:xfrm>
+      </p:grpSpPr>
+      <p:pic>
+        <p:nvPicPr>
+          <p:cNvPr id="27649" name="Picture 1" descr="C:\Users\daybreaklee\AppData\Roaming\Tencent\Users\359226102\QQ\WinTemp\RichOle\Q)N91(CR}MC0Q319%CXSW[6.jpg"/>
+          <p:cNvPicPr>
+            <a:picLocks noChangeAspect="1" noChangeArrowheads="1"/>
+          </p:cNvPicPr>
+          <p:nvPr/>
+        </p:nvPicPr>
+        <p:blipFill>
+          <a:blip r:embed="rId2"/>
+          <a:srcRect/>
+          <a:stretch>
+            <a:fillRect/>
+          </a:stretch>
+        </p:blipFill>
+        <p:spPr bwMode="auto">
+          <a:xfrm>
+            <a:off x="228600" y="914400"/>
+            <a:ext cx="8382000" cy="4953000"/>
+          </a:xfrm>
+          <a:prstGeom prst="rect">
+            <a:avLst/>
+          </a:prstGeom>
+          <a:noFill/>
+        </p:spPr>
+      </p:pic>
+    </p:spTree>
+  </p:cSld>
+  <p:clrMapOvr>
+    <a:masterClrMapping/>
+  </p:clrMapOvr>
+</p:sld>
+</file>
+
+<file path=ppt/slides/slide16.xml><?xml version="1.0" encoding="utf-8"?>
+<p:sld xmlns:a="http://schemas.openxmlformats.org/drawingml/2006/main" xmlns:r="http://schemas.openxmlformats.org/officeDocument/2006/relationships" xmlns:p="http://schemas.openxmlformats.org/presentationml/2006/main">
+  <p:cSld>
+    <p:spTree>
+      <p:nvGrpSpPr>
+        <p:cNvPr id="1" name=""/>
+        <p:cNvGrpSpPr/>
+        <p:nvPr/>
+      </p:nvGrpSpPr>
+      <p:grpSpPr>
+        <a:xfrm>
+          <a:off x="0" y="0"/>
+          <a:ext cx="0" cy="0"/>
+          <a:chOff x="0" y="0"/>
+          <a:chExt cx="0" cy="0"/>
+        </a:xfrm>
+      </p:grpSpPr>
+      <p:grpSp>
+        <p:nvGrpSpPr>
+          <p:cNvPr id="10" name="Group 9"/>
+          <p:cNvGrpSpPr/>
+          <p:nvPr/>
+        </p:nvGrpSpPr>
+        <p:grpSpPr>
+          <a:xfrm>
+            <a:off x="609600" y="457200"/>
+            <a:ext cx="7705725" cy="5838825"/>
+            <a:chOff x="609600" y="457200"/>
+            <a:chExt cx="7705725" cy="5838825"/>
+          </a:xfrm>
+        </p:grpSpPr>
+        <p:pic>
+          <p:nvPicPr>
+            <p:cNvPr id="28673" name="Picture 1" descr="C:\Users\daybreaklee\AppData\Roaming\Tencent\Users\359226102\QQ\WinTemp\RichOle\ND[9IKNG)]5PZ_TYW_QDB]4.jpg"/>
+            <p:cNvPicPr>
+              <a:picLocks noChangeAspect="1" noChangeArrowheads="1"/>
+            </p:cNvPicPr>
+            <p:nvPr/>
+          </p:nvPicPr>
+          <p:blipFill>
+            <a:blip r:embed="rId2"/>
+            <a:srcRect/>
+            <a:stretch>
+              <a:fillRect/>
+            </a:stretch>
+          </p:blipFill>
+          <p:spPr bwMode="auto">
+            <a:xfrm>
+              <a:off x="685800" y="457200"/>
+              <a:ext cx="7524750" cy="4114800"/>
+            </a:xfrm>
+            <a:prstGeom prst="rect">
+              <a:avLst/>
+            </a:prstGeom>
+            <a:noFill/>
+          </p:spPr>
+        </p:pic>
+        <p:pic>
+          <p:nvPicPr>
+            <p:cNvPr id="28674" name="Picture 2" descr="C:\Users\daybreaklee\AppData\Roaming\Tencent\Users\359226102\QQ\WinTemp\RichOle\OSVE8]AS46L1WVS5XED[(BX.jpg"/>
+            <p:cNvPicPr>
+              <a:picLocks noChangeAspect="1" noChangeArrowheads="1"/>
+            </p:cNvPicPr>
+            <p:nvPr/>
+          </p:nvPicPr>
+          <p:blipFill>
+            <a:blip r:embed="rId3"/>
+            <a:srcRect/>
+            <a:stretch>
+              <a:fillRect/>
+            </a:stretch>
+          </p:blipFill>
+          <p:spPr bwMode="auto">
+            <a:xfrm>
+              <a:off x="4572000" y="4495800"/>
+              <a:ext cx="3743325" cy="1800225"/>
+            </a:xfrm>
+            <a:prstGeom prst="rect">
+              <a:avLst/>
+            </a:prstGeom>
+            <a:noFill/>
+          </p:spPr>
+        </p:pic>
+        <p:sp>
+          <p:nvSpPr>
+            <p:cNvPr id="8" name="TextBox 7"/>
+            <p:cNvSpPr txBox="1"/>
+            <p:nvPr/>
+          </p:nvSpPr>
+          <p:spPr>
+            <a:xfrm>
+              <a:off x="609600" y="4724400"/>
+              <a:ext cx="3733800" cy="338554"/>
+            </a:xfrm>
+            <a:prstGeom prst="rect">
+              <a:avLst/>
+            </a:prstGeom>
+            <a:noFill/>
+          </p:spPr>
+          <p:txBody>
+            <a:bodyPr wrap="square" rtlCol="0">
+              <a:spAutoFit/>
+            </a:bodyPr>
+            <a:lstStyle/>
+            <a:p>
+              <a:r>
+                <a:rPr lang="en-US" sz="1600" dirty="0" err="1" smtClean="0"/>
+                <a:t>Bottomline</a:t>
+              </a:r>
+              <a:r>
+                <a:rPr lang="en-US" sz="1600" dirty="0" smtClean="0"/>
+                <a:t> is: sometimes it is really fun!!</a:t>
+              </a:r>
+              <a:endParaRPr lang="en-US" sz="1600" dirty="0"/>
+            </a:p>
+          </p:txBody>
+        </p:sp>
+        <p:pic>
+          <p:nvPicPr>
+            <p:cNvPr id="28675" name="Picture 3" descr="C:\Users\daybreaklee\AppData\Roaming\Tencent\Users\359226102\QQ\WinTemp\RichOle\{KO@84K0GPA%)A2Z0W~}4VQ.jpg"/>
+            <p:cNvPicPr>
+              <a:picLocks noChangeAspect="1" noChangeArrowheads="1"/>
+            </p:cNvPicPr>
+            <p:nvPr/>
+          </p:nvPicPr>
+          <p:blipFill>
+            <a:blip r:embed="rId4"/>
+            <a:srcRect/>
+            <a:stretch>
+              <a:fillRect/>
+            </a:stretch>
+          </p:blipFill>
+          <p:spPr bwMode="auto">
+            <a:xfrm>
+              <a:off x="838200" y="990600"/>
+              <a:ext cx="3562350" cy="3152775"/>
+            </a:xfrm>
+            <a:prstGeom prst="rect">
+              <a:avLst/>
+            </a:prstGeom>
+            <a:noFill/>
+          </p:spPr>
+        </p:pic>
+        <p:pic>
+          <p:nvPicPr>
+            <p:cNvPr id="28676" name="Picture 4" descr="C:\Users\daybreaklee\AppData\Roaming\Tencent\Users\359226102\QQ\WinTemp\RichOle\LH8ZOAFF$[L9X7FU0`IO_JT.jpg"/>
+            <p:cNvPicPr>
+              <a:picLocks noChangeAspect="1" noChangeArrowheads="1"/>
+            </p:cNvPicPr>
+            <p:nvPr/>
+          </p:nvPicPr>
+          <p:blipFill>
+            <a:blip r:embed="rId5"/>
+            <a:srcRect/>
+            <a:stretch>
+              <a:fillRect/>
+            </a:stretch>
+          </p:blipFill>
+          <p:spPr bwMode="auto">
+            <a:xfrm>
+              <a:off x="914400" y="3886200"/>
+              <a:ext cx="3524250" cy="838200"/>
+            </a:xfrm>
+            <a:prstGeom prst="rect">
+              <a:avLst/>
+            </a:prstGeom>
+            <a:noFill/>
+          </p:spPr>
+        </p:pic>
+      </p:grpSp>
     </p:spTree>
   </p:cSld>
   <p:clrMapOvr>
@@ -3740,6 +4908,87 @@
           </a:p>
         </p:txBody>
       </p:sp>
+      <p:sp>
+        <p:nvSpPr>
+          <p:cNvPr id="7" name="TextBox 6"/>
+          <p:cNvSpPr txBox="1"/>
+          <p:nvPr/>
+        </p:nvSpPr>
+        <p:spPr>
+          <a:xfrm>
+            <a:off x="1524000" y="304800"/>
+            <a:ext cx="2895600" cy="381000"/>
+          </a:xfrm>
+          <a:prstGeom prst="rect">
+            <a:avLst/>
+          </a:prstGeom>
+          <a:noFill/>
+        </p:spPr>
+        <p:txBody>
+          <a:bodyPr wrap="square" rtlCol="0">
+            <a:spAutoFit/>
+          </a:bodyPr>
+          <a:lstStyle/>
+          <a:p>
+            <a:r>
+              <a:rPr lang="en-US" dirty="0" smtClean="0"/>
+              <a:t>To generate valid inputs</a:t>
+            </a:r>
+            <a:endParaRPr lang="en-US" dirty="0"/>
+          </a:p>
+        </p:txBody>
+      </p:sp>
+    </p:spTree>
+  </p:cSld>
+  <p:clrMapOvr>
+    <a:masterClrMapping/>
+  </p:clrMapOvr>
+</p:sld>
+</file>
+
+<file path=ppt/slides/slide9.xml><?xml version="1.0" encoding="utf-8"?>
+<p:sld xmlns:a="http://schemas.openxmlformats.org/drawingml/2006/main" xmlns:r="http://schemas.openxmlformats.org/officeDocument/2006/relationships" xmlns:p="http://schemas.openxmlformats.org/presentationml/2006/main">
+  <p:cSld>
+    <p:spTree>
+      <p:nvGrpSpPr>
+        <p:cNvPr id="1" name=""/>
+        <p:cNvGrpSpPr/>
+        <p:nvPr/>
+      </p:nvGrpSpPr>
+      <p:grpSpPr>
+        <a:xfrm>
+          <a:off x="0" y="0"/>
+          <a:ext cx="0" cy="0"/>
+          <a:chOff x="0" y="0"/>
+          <a:chExt cx="0" cy="0"/>
+        </a:xfrm>
+      </p:grpSpPr>
+      <p:pic>
+        <p:nvPicPr>
+          <p:cNvPr id="1025" name="Picture 1" descr="C:\Users\daybreaklee\AppData\Roaming\Tencent\Users\359226102\QQ\WinTemp\RichOle\BP@LSV32JKPPHFR4U`PP8JW.jpg"/>
+          <p:cNvPicPr>
+            <a:picLocks noChangeAspect="1" noChangeArrowheads="1"/>
+          </p:cNvPicPr>
+          <p:nvPr/>
+        </p:nvPicPr>
+        <p:blipFill>
+          <a:blip r:embed="rId2"/>
+          <a:srcRect/>
+          <a:stretch>
+            <a:fillRect/>
+          </a:stretch>
+        </p:blipFill>
+        <p:spPr bwMode="auto">
+          <a:xfrm>
+            <a:off x="381000" y="762000"/>
+            <a:ext cx="8322369" cy="4800600"/>
+          </a:xfrm>
+          <a:prstGeom prst="rect">
+            <a:avLst/>
+          </a:prstGeom>
+          <a:noFill/>
+        </p:spPr>
+      </p:pic>
     </p:spTree>
   </p:cSld>
   <p:clrMapOvr>
